--- a/database/slides/COME_BACK_MY_LOVE.pptx
+++ b/database/slides/COME_BACK_MY_LOVE.pptx
@@ -16334,7 +16334,13 @@
       </p:sp>
       <p:sp>
         <p:nvSpPr>
-          <p:cNvPr id="131" name="Google Shape;131;p25"/>
+          <p:cNvPr id="2" name="Google Shape;131;p25">
+            <a:extLst>
+              <a:ext uri="{FF2B5EF4-FFF2-40B4-BE49-F238E27FC236}">
+                <a16:creationId xmlns:a16="http://schemas.microsoft.com/office/drawing/2014/main" id="{E6D80F40-BFC4-7D1B-8DE8-FD7AC59801E4}"/>
+              </a:ext>
+            </a:extLst>
+          </p:cNvPr>
           <p:cNvSpPr txBox="1"/>
           <p:nvPr/>
         </p:nvSpPr>
@@ -16357,11 +16363,19 @@
           </a:bodyPr>
           <a:lstStyle/>
           <a:p>
-            <a:pPr>
+            <a:pPr marL="0" lvl="0" indent="0" algn="l" rtl="0">
+              <a:spcBef>
+                <a:spcPts val="0"/>
+              </a:spcBef>
+              <a:spcAft>
+                <a:spcPts val="0"/>
+              </a:spcAft>
               <a:buClr>
                 <a:schemeClr val="lt1"/>
               </a:buClr>
               <a:buSzPts val="3200"/>
+              <a:buFont typeface="Arial"/>
+              <a:buNone/>
             </a:pPr>
             <a:r>
               <a:rPr lang="en-GB" sz="3600" b="1" i="1" dirty="0">
@@ -16375,7 +16389,7 @@
               </a:rPr>
               <a:t>contd..</a:t>
             </a:r>
-            <a:endParaRPr lang="en-GB" sz="3600" dirty="0">
+            <a:endParaRPr sz="3600" dirty="0">
               <a:latin typeface="Calibri"/>
               <a:ea typeface="Calibri"/>
               <a:cs typeface="Calibri"/>
@@ -16613,10 +16627,10 @@
       </p:sp>
       <p:sp>
         <p:nvSpPr>
-          <p:cNvPr id="131" name="Google Shape;131;p25">
+          <p:cNvPr id="2" name="Google Shape;131;p25">
             <a:extLst>
               <a:ext uri="{FF2B5EF4-FFF2-40B4-BE49-F238E27FC236}">
-                <a16:creationId xmlns:a16="http://schemas.microsoft.com/office/drawing/2014/main" id="{FBBBB51D-FEEB-8482-5F78-1BE0B1117030}"/>
+                <a16:creationId xmlns:a16="http://schemas.microsoft.com/office/drawing/2014/main" id="{84AC68E6-9DC1-2442-FAA1-02A648C98A94}"/>
               </a:ext>
             </a:extLst>
           </p:cNvPr>
@@ -16642,11 +16656,19 @@
           </a:bodyPr>
           <a:lstStyle/>
           <a:p>
-            <a:pPr>
+            <a:pPr marL="0" lvl="0" indent="0" algn="l" rtl="0">
+              <a:spcBef>
+                <a:spcPts val="0"/>
+              </a:spcBef>
+              <a:spcAft>
+                <a:spcPts val="0"/>
+              </a:spcAft>
               <a:buClr>
                 <a:schemeClr val="lt1"/>
               </a:buClr>
               <a:buSzPts val="3200"/>
+              <a:buFont typeface="Arial"/>
+              <a:buNone/>
             </a:pPr>
             <a:r>
               <a:rPr lang="en-GB" sz="3600" b="1" i="1" dirty="0">
@@ -16660,7 +16682,7 @@
               </a:rPr>
               <a:t>contd..</a:t>
             </a:r>
-            <a:endParaRPr lang="en-GB" sz="3600" dirty="0">
+            <a:endParaRPr sz="3600" dirty="0">
               <a:latin typeface="Calibri"/>
               <a:ea typeface="Calibri"/>
               <a:cs typeface="Calibri"/>
@@ -16998,10 +17020,10 @@
       </p:sp>
       <p:sp>
         <p:nvSpPr>
-          <p:cNvPr id="131" name="Google Shape;131;p25">
+          <p:cNvPr id="2" name="Google Shape;131;p25">
             <a:extLst>
               <a:ext uri="{FF2B5EF4-FFF2-40B4-BE49-F238E27FC236}">
-                <a16:creationId xmlns:a16="http://schemas.microsoft.com/office/drawing/2014/main" id="{609FAA84-ADE7-B007-7F23-3C01C1C4009C}"/>
+                <a16:creationId xmlns:a16="http://schemas.microsoft.com/office/drawing/2014/main" id="{3CE97B72-6C39-6753-F373-A53D2CCB587F}"/>
               </a:ext>
             </a:extLst>
           </p:cNvPr>
@@ -17027,11 +17049,19 @@
           </a:bodyPr>
           <a:lstStyle/>
           <a:p>
-            <a:pPr>
+            <a:pPr marL="0" lvl="0" indent="0" algn="l" rtl="0">
+              <a:spcBef>
+                <a:spcPts val="0"/>
+              </a:spcBef>
+              <a:spcAft>
+                <a:spcPts val="0"/>
+              </a:spcAft>
               <a:buClr>
                 <a:schemeClr val="lt1"/>
               </a:buClr>
               <a:buSzPts val="3200"/>
+              <a:buFont typeface="Arial"/>
+              <a:buNone/>
             </a:pPr>
             <a:r>
               <a:rPr lang="en-GB" sz="3600" b="1" i="1" dirty="0">
@@ -17045,7 +17075,7 @@
               </a:rPr>
               <a:t>contd..</a:t>
             </a:r>
-            <a:endParaRPr lang="en-GB" sz="3600" dirty="0">
+            <a:endParaRPr sz="3600" dirty="0">
               <a:latin typeface="Calibri"/>
               <a:ea typeface="Calibri"/>
               <a:cs typeface="Calibri"/>
@@ -17283,10 +17313,10 @@
       </p:sp>
       <p:sp>
         <p:nvSpPr>
-          <p:cNvPr id="131" name="Google Shape;131;p25">
+          <p:cNvPr id="2" name="Google Shape;131;p25">
             <a:extLst>
               <a:ext uri="{FF2B5EF4-FFF2-40B4-BE49-F238E27FC236}">
-                <a16:creationId xmlns:a16="http://schemas.microsoft.com/office/drawing/2014/main" id="{D9E0ADB7-C8E2-0902-7C73-E43EE6366BDE}"/>
+                <a16:creationId xmlns:a16="http://schemas.microsoft.com/office/drawing/2014/main" id="{87716B6E-E9D6-7449-33DD-D2CB232889E7}"/>
               </a:ext>
             </a:extLst>
           </p:cNvPr>
@@ -17312,11 +17342,19 @@
           </a:bodyPr>
           <a:lstStyle/>
           <a:p>
-            <a:pPr>
+            <a:pPr marL="0" lvl="0" indent="0" algn="l" rtl="0">
+              <a:spcBef>
+                <a:spcPts val="0"/>
+              </a:spcBef>
+              <a:spcAft>
+                <a:spcPts val="0"/>
+              </a:spcAft>
               <a:buClr>
                 <a:schemeClr val="lt1"/>
               </a:buClr>
               <a:buSzPts val="3200"/>
+              <a:buFont typeface="Arial"/>
+              <a:buNone/>
             </a:pPr>
             <a:r>
               <a:rPr lang="en-GB" sz="3600" b="1" i="1" dirty="0">
@@ -17330,7 +17368,7 @@
               </a:rPr>
               <a:t>contd..</a:t>
             </a:r>
-            <a:endParaRPr lang="en-GB" sz="3600" dirty="0">
+            <a:endParaRPr sz="3600" dirty="0">
               <a:latin typeface="Calibri"/>
               <a:ea typeface="Calibri"/>
               <a:cs typeface="Calibri"/>
@@ -17668,10 +17706,10 @@
       </p:sp>
       <p:sp>
         <p:nvSpPr>
-          <p:cNvPr id="131" name="Google Shape;131;p25">
+          <p:cNvPr id="2" name="Google Shape;131;p25">
             <a:extLst>
               <a:ext uri="{FF2B5EF4-FFF2-40B4-BE49-F238E27FC236}">
-                <a16:creationId xmlns:a16="http://schemas.microsoft.com/office/drawing/2014/main" id="{FE1030ED-A084-0B48-D1E7-CF34CE0B5343}"/>
+                <a16:creationId xmlns:a16="http://schemas.microsoft.com/office/drawing/2014/main" id="{860806C5-61AB-17F3-E50F-24EA78FD1302}"/>
               </a:ext>
             </a:extLst>
           </p:cNvPr>
@@ -17697,11 +17735,19 @@
           </a:bodyPr>
           <a:lstStyle/>
           <a:p>
-            <a:pPr>
+            <a:pPr marL="0" lvl="0" indent="0" algn="l" rtl="0">
+              <a:spcBef>
+                <a:spcPts val="0"/>
+              </a:spcBef>
+              <a:spcAft>
+                <a:spcPts val="0"/>
+              </a:spcAft>
               <a:buClr>
                 <a:schemeClr val="lt1"/>
               </a:buClr>
               <a:buSzPts val="3200"/>
+              <a:buFont typeface="Arial"/>
+              <a:buNone/>
             </a:pPr>
             <a:r>
               <a:rPr lang="en-GB" sz="3600" b="1" i="1" dirty="0">
@@ -17715,7 +17761,7 @@
               </a:rPr>
               <a:t>contd..</a:t>
             </a:r>
-            <a:endParaRPr lang="en-GB" sz="3600" dirty="0">
+            <a:endParaRPr sz="3600" dirty="0">
               <a:latin typeface="Calibri"/>
               <a:ea typeface="Calibri"/>
               <a:cs typeface="Calibri"/>
